--- a/ECE251C - Final Project Presentation.pptx
+++ b/ECE251C - Final Project Presentation.pptx
@@ -740,7 +740,7 @@
         </p:nvSpPr>
         <p:spPr>
           <a:xfrm>
-            <a:off x="381300" y="685800"/>
+            <a:off x="381000" y="685800"/>
             <a:ext cx="6096000" cy="3429000"/>
           </a:xfrm>
           <a:custGeom>
@@ -11310,48 +11310,6 @@
       </p:sp>
       <p:sp>
         <p:nvSpPr>
-          <p:cNvPr id="100" name="Google Shape;100;p25"/>
-          <p:cNvSpPr txBox="1">
-            <a:spLocks noGrp="1"/>
-          </p:cNvSpPr>
-          <p:nvPr>
-            <p:ph type="subTitle" idx="1"/>
-          </p:nvPr>
-        </p:nvSpPr>
-        <p:spPr>
-          <a:xfrm>
-            <a:off x="311700" y="2834125"/>
-            <a:ext cx="8520600" cy="792600"/>
-          </a:xfrm>
-          <a:prstGeom prst="rect">
-            <a:avLst/>
-          </a:prstGeom>
-        </p:spPr>
-        <p:txBody>
-          <a:bodyPr spcFirstLastPara="1" wrap="square" lIns="91425" tIns="91425" rIns="91425" bIns="91425" anchor="t" anchorCtr="0">
-            <a:noAutofit/>
-          </a:bodyPr>
-          <a:lstStyle/>
-          <a:p>
-            <a:pPr marL="0" lvl="0" indent="0" algn="ctr" rtl="0">
-              <a:spcBef>
-                <a:spcPts val="0"/>
-              </a:spcBef>
-              <a:spcAft>
-                <a:spcPts val="0"/>
-              </a:spcAft>
-              <a:buNone/>
-            </a:pPr>
-            <a:r>
-              <a:rPr lang="en"/>
-              <a:t>Team: Karnargus</a:t>
-            </a:r>
-            <a:endParaRPr/>
-          </a:p>
-        </p:txBody>
-      </p:sp>
-      <p:sp>
-        <p:nvSpPr>
           <p:cNvPr id="101" name="Google Shape;101;p25"/>
           <p:cNvSpPr txBox="1">
             <a:spLocks noGrp="1"/>
@@ -11389,6 +11347,31 @@
               <a:t>William Argus &amp; Karndeep Rai-Bhatti</a:t>
             </a:r>
             <a:endParaRPr/>
+          </a:p>
+        </p:txBody>
+      </p:sp>
+      <p:sp>
+        <p:nvSpPr>
+          <p:cNvPr id="3" name="Subtitle 2">
+            <a:extLst>
+              <a:ext uri="{FF2B5EF4-FFF2-40B4-BE49-F238E27FC236}">
+                <a16:creationId xmlns:a16="http://schemas.microsoft.com/office/drawing/2014/main" id="{E7C68FAF-EDE7-4EAB-9046-CF98E1D75339}"/>
+              </a:ext>
+            </a:extLst>
+          </p:cNvPr>
+          <p:cNvSpPr>
+            <a:spLocks noGrp="1"/>
+          </p:cNvSpPr>
+          <p:nvPr>
+            <p:ph type="subTitle" idx="1"/>
+          </p:nvPr>
+        </p:nvSpPr>
+        <p:spPr/>
+        <p:txBody>
+          <a:bodyPr/>
+          <a:lstStyle/>
+          <a:p>
+            <a:endParaRPr lang="en-US"/>
           </a:p>
         </p:txBody>
       </p:sp>
